--- a/Uppgift 2 – Normalisera kund.pptx
+++ b/Uppgift 2 – Normalisera kund.pptx
@@ -288,7 +288,7 @@
           <a:p>
             <a:fld id="{2DA7D1B4-6CFC-43E7-B7FC-6B8EA4EE4B52}" type="datetimeFigureOut">
               <a:rPr lang="sv-SE" smtClean="0"/>
-              <a:t>2014-01-28</a:t>
+              <a:t>2014-01-29</a:t>
             </a:fld>
             <a:endParaRPr lang="sv-SE"/>
           </a:p>
@@ -458,7 +458,7 @@
           <a:p>
             <a:fld id="{2DA7D1B4-6CFC-43E7-B7FC-6B8EA4EE4B52}" type="datetimeFigureOut">
               <a:rPr lang="sv-SE" smtClean="0"/>
-              <a:t>2014-01-28</a:t>
+              <a:t>2014-01-29</a:t>
             </a:fld>
             <a:endParaRPr lang="sv-SE"/>
           </a:p>
@@ -638,7 +638,7 @@
           <a:p>
             <a:fld id="{2DA7D1B4-6CFC-43E7-B7FC-6B8EA4EE4B52}" type="datetimeFigureOut">
               <a:rPr lang="sv-SE" smtClean="0"/>
-              <a:t>2014-01-28</a:t>
+              <a:t>2014-01-29</a:t>
             </a:fld>
             <a:endParaRPr lang="sv-SE"/>
           </a:p>
@@ -808,7 +808,7 @@
           <a:p>
             <a:fld id="{2DA7D1B4-6CFC-43E7-B7FC-6B8EA4EE4B52}" type="datetimeFigureOut">
               <a:rPr lang="sv-SE" smtClean="0"/>
-              <a:t>2014-01-28</a:t>
+              <a:t>2014-01-29</a:t>
             </a:fld>
             <a:endParaRPr lang="sv-SE"/>
           </a:p>
@@ -1054,7 +1054,7 @@
           <a:p>
             <a:fld id="{2DA7D1B4-6CFC-43E7-B7FC-6B8EA4EE4B52}" type="datetimeFigureOut">
               <a:rPr lang="sv-SE" smtClean="0"/>
-              <a:t>2014-01-28</a:t>
+              <a:t>2014-01-29</a:t>
             </a:fld>
             <a:endParaRPr lang="sv-SE"/>
           </a:p>
@@ -1342,7 +1342,7 @@
           <a:p>
             <a:fld id="{2DA7D1B4-6CFC-43E7-B7FC-6B8EA4EE4B52}" type="datetimeFigureOut">
               <a:rPr lang="sv-SE" smtClean="0"/>
-              <a:t>2014-01-28</a:t>
+              <a:t>2014-01-29</a:t>
             </a:fld>
             <a:endParaRPr lang="sv-SE"/>
           </a:p>
@@ -1764,7 +1764,7 @@
           <a:p>
             <a:fld id="{2DA7D1B4-6CFC-43E7-B7FC-6B8EA4EE4B52}" type="datetimeFigureOut">
               <a:rPr lang="sv-SE" smtClean="0"/>
-              <a:t>2014-01-28</a:t>
+              <a:t>2014-01-29</a:t>
             </a:fld>
             <a:endParaRPr lang="sv-SE"/>
           </a:p>
@@ -1882,7 +1882,7 @@
           <a:p>
             <a:fld id="{2DA7D1B4-6CFC-43E7-B7FC-6B8EA4EE4B52}" type="datetimeFigureOut">
               <a:rPr lang="sv-SE" smtClean="0"/>
-              <a:t>2014-01-28</a:t>
+              <a:t>2014-01-29</a:t>
             </a:fld>
             <a:endParaRPr lang="sv-SE"/>
           </a:p>
@@ -1977,7 +1977,7 @@
           <a:p>
             <a:fld id="{2DA7D1B4-6CFC-43E7-B7FC-6B8EA4EE4B52}" type="datetimeFigureOut">
               <a:rPr lang="sv-SE" smtClean="0"/>
-              <a:t>2014-01-28</a:t>
+              <a:t>2014-01-29</a:t>
             </a:fld>
             <a:endParaRPr lang="sv-SE"/>
           </a:p>
@@ -2254,7 +2254,7 @@
           <a:p>
             <a:fld id="{2DA7D1B4-6CFC-43E7-B7FC-6B8EA4EE4B52}" type="datetimeFigureOut">
               <a:rPr lang="sv-SE" smtClean="0"/>
-              <a:t>2014-01-28</a:t>
+              <a:t>2014-01-29</a:t>
             </a:fld>
             <a:endParaRPr lang="sv-SE"/>
           </a:p>
@@ -2507,7 +2507,7 @@
           <a:p>
             <a:fld id="{2DA7D1B4-6CFC-43E7-B7FC-6B8EA4EE4B52}" type="datetimeFigureOut">
               <a:rPr lang="sv-SE" smtClean="0"/>
-              <a:t>2014-01-28</a:t>
+              <a:t>2014-01-29</a:t>
             </a:fld>
             <a:endParaRPr lang="sv-SE"/>
           </a:p>
@@ -2720,7 +2720,7 @@
           <a:p>
             <a:fld id="{2DA7D1B4-6CFC-43E7-B7FC-6B8EA4EE4B52}" type="datetimeFigureOut">
               <a:rPr lang="sv-SE" smtClean="0"/>
-              <a:t>2014-01-28</a:t>
+              <a:t>2014-01-29</a:t>
             </a:fld>
             <a:endParaRPr lang="sv-SE"/>
           </a:p>
@@ -3133,7 +3133,7 @@
         </p:nvSpPr>
         <p:spPr>
           <a:xfrm>
-            <a:off x="1691680" y="1700808"/>
+            <a:off x="1115616" y="2276872"/>
             <a:ext cx="1440160" cy="720080"/>
           </a:xfrm>
           <a:prstGeom prst="rect">
@@ -3193,7 +3193,7 @@
         </p:nvSpPr>
         <p:spPr>
           <a:xfrm>
-            <a:off x="5148064" y="1702037"/>
+            <a:off x="4572000" y="2278101"/>
             <a:ext cx="1500821" cy="720080"/>
           </a:xfrm>
           <a:prstGeom prst="rect">
@@ -3256,7 +3256,7 @@
         </p:nvCxnSpPr>
         <p:spPr>
           <a:xfrm>
-            <a:off x="3131840" y="2060848"/>
+            <a:off x="2555776" y="2636912"/>
             <a:ext cx="2016224" cy="1229"/>
           </a:xfrm>
           <a:prstGeom prst="straightConnector1">
@@ -3291,7 +3291,7 @@
         </p:nvCxnSpPr>
         <p:spPr>
           <a:xfrm flipV="1">
-            <a:off x="4916749" y="1916832"/>
+            <a:off x="4340685" y="2492896"/>
             <a:ext cx="216024" cy="144016"/>
           </a:xfrm>
           <a:prstGeom prst="bentConnector3">
@@ -3326,7 +3326,7 @@
         </p:nvCxnSpPr>
         <p:spPr>
           <a:xfrm>
-            <a:off x="4915269" y="2062077"/>
+            <a:off x="4339205" y="2638141"/>
             <a:ext cx="216024" cy="144016"/>
           </a:xfrm>
           <a:prstGeom prst="bentConnector3">
@@ -3362,14 +3362,14 @@
           <p:nvPr>
             <p:extLst>
               <p:ext uri="{D42A27DB-BD31-4B8C-83A1-F6EECF244321}">
-                <p14:modId xmlns:p14="http://schemas.microsoft.com/office/powerpoint/2010/main" val="2612661942"/>
+                <p14:modId xmlns:p14="http://schemas.microsoft.com/office/powerpoint/2010/main" val="1447009801"/>
               </p:ext>
             </p:extLst>
           </p:nvPr>
         </p:nvGraphicFramePr>
         <p:xfrm>
-          <a:off x="971600" y="3284984"/>
-          <a:ext cx="3096343" cy="1097280"/>
+          <a:off x="1115616" y="3140968"/>
+          <a:ext cx="4968552" cy="1097280"/>
         </p:xfrm>
         <a:graphic>
           <a:graphicData uri="http://schemas.openxmlformats.org/drawingml/2006/table">
@@ -3378,9 +3378,9 @@
                 <a:tableStyleId>{073A0DAA-6AF3-43AB-8588-CEC1D06C72B9}</a:tableStyleId>
               </a:tblPr>
               <a:tblGrid>
-                <a:gridCol w="936104"/>
-                <a:gridCol w="1008112"/>
-                <a:gridCol w="1152127"/>
+                <a:gridCol w="1224136"/>
+                <a:gridCol w="1872208"/>
+                <a:gridCol w="1872208"/>
               </a:tblGrid>
               <a:tr h="270030">
                 <a:tc>
@@ -3395,6 +3395,22 @@
                           </a:solidFill>
                         </a:rPr>
                         <a:t>Kundnr</a:t>
+                      </a:r>
+                      <a:r>
+                        <a:rPr lang="sv-SE" sz="1200" baseline="0" dirty="0" smtClean="0">
+                          <a:solidFill>
+                            <a:sysClr val="windowText" lastClr="000000"/>
+                          </a:solidFill>
+                        </a:rPr>
+                        <a:t> (INT) </a:t>
+                      </a:r>
+                      <a:r>
+                        <a:rPr lang="sv-SE" sz="1200" baseline="0" dirty="0" err="1" smtClean="0">
+                          <a:solidFill>
+                            <a:sysClr val="windowText" lastClr="000000"/>
+                          </a:solidFill>
+                        </a:rPr>
+                        <a:t>Pk</a:t>
                       </a:r>
                       <a:endParaRPr lang="sv-SE" sz="1200" dirty="0">
                         <a:solidFill>
@@ -3449,7 +3465,7 @@
                     <a:p>
                       <a:r>
                         <a:rPr lang="sv-SE" sz="1200" dirty="0" smtClean="0"/>
-                        <a:t>Kundnamn</a:t>
+                        <a:t>Kundnamn (VARCHAR(20))</a:t>
                       </a:r>
                       <a:endParaRPr lang="sv-SE" sz="1200" dirty="0"/>
                     </a:p>
@@ -3498,8 +3514,9 @@
                     <a:p>
                       <a:r>
                         <a:rPr lang="sv-SE" sz="1200" dirty="0" smtClean="0"/>
-                        <a:t>Postadress</a:t>
-                      </a:r>
+                        <a:t>Postadress (VARCHAR(30))</a:t>
+                      </a:r>
+                      <a:endParaRPr lang="sv-SE" sz="1200" dirty="0" smtClean="0"/>
                     </a:p>
                   </a:txBody>
                   <a:tcPr>
@@ -3735,14 +3752,14 @@
           <p:nvPr>
             <p:extLst>
               <p:ext uri="{D42A27DB-BD31-4B8C-83A1-F6EECF244321}">
-                <p14:modId xmlns:p14="http://schemas.microsoft.com/office/powerpoint/2010/main" val="4268963364"/>
+                <p14:modId xmlns:p14="http://schemas.microsoft.com/office/powerpoint/2010/main" val="3356340363"/>
               </p:ext>
             </p:extLst>
           </p:nvPr>
         </p:nvGraphicFramePr>
         <p:xfrm>
-          <a:off x="4427985" y="3284984"/>
-          <a:ext cx="4176463" cy="2194560"/>
+          <a:off x="1115616" y="4581128"/>
+          <a:ext cx="6264696" cy="2194560"/>
         </p:xfrm>
         <a:graphic>
           <a:graphicData uri="http://schemas.openxmlformats.org/drawingml/2006/table">
@@ -3751,10 +3768,10 @@
                 <a:tableStyleId>{5C22544A-7EE6-4342-B048-85BDC9FD1C3A}</a:tableStyleId>
               </a:tblPr>
               <a:tblGrid>
-                <a:gridCol w="864095"/>
-                <a:gridCol w="1001886"/>
-                <a:gridCol w="1155241"/>
-                <a:gridCol w="1155241"/>
+                <a:gridCol w="1368152"/>
+                <a:gridCol w="1296144"/>
+                <a:gridCol w="1872208"/>
+                <a:gridCol w="1728192"/>
               </a:tblGrid>
               <a:tr h="224395">
                 <a:tc>
@@ -3769,6 +3786,22 @@
                           </a:solidFill>
                         </a:rPr>
                         <a:t>KontaktID</a:t>
+                      </a:r>
+                      <a:r>
+                        <a:rPr lang="sv-SE" sz="1200" dirty="0" smtClean="0">
+                          <a:solidFill>
+                            <a:sysClr val="windowText" lastClr="000000"/>
+                          </a:solidFill>
+                        </a:rPr>
+                        <a:t> (INT) </a:t>
+                      </a:r>
+                      <a:r>
+                        <a:rPr lang="sv-SE" sz="1200" dirty="0" err="1" smtClean="0">
+                          <a:solidFill>
+                            <a:sysClr val="windowText" lastClr="000000"/>
+                          </a:solidFill>
+                        </a:rPr>
+                        <a:t>Pk</a:t>
                       </a:r>
                       <a:endParaRPr lang="sv-SE" sz="1200" dirty="0">
                         <a:solidFill>
@@ -3829,6 +3862,22 @@
                         </a:rPr>
                         <a:t>Kundnr</a:t>
                       </a:r>
+                      <a:r>
+                        <a:rPr lang="sv-SE" sz="1200" dirty="0" smtClean="0">
+                          <a:solidFill>
+                            <a:sysClr val="windowText" lastClr="000000"/>
+                          </a:solidFill>
+                        </a:rPr>
+                        <a:t> (INT) </a:t>
+                      </a:r>
+                      <a:r>
+                        <a:rPr lang="sv-SE" sz="1200" dirty="0" err="1" smtClean="0">
+                          <a:solidFill>
+                            <a:sysClr val="windowText" lastClr="000000"/>
+                          </a:solidFill>
+                        </a:rPr>
+                        <a:t>Fk</a:t>
+                      </a:r>
                       <a:endParaRPr lang="sv-SE" sz="1200" dirty="0">
                         <a:solidFill>
                           <a:sysClr val="windowText" lastClr="000000"/>
@@ -3884,8 +3933,21 @@
                             <a:sysClr val="windowText" lastClr="000000"/>
                           </a:solidFill>
                         </a:rPr>
-                        <a:t>Efternamn</a:t>
-                      </a:r>
+                        <a:t>Efternamn (VARCHAR</a:t>
+                      </a:r>
+                      <a:r>
+                        <a:rPr lang="sv-SE" sz="1200" baseline="0" dirty="0" smtClean="0">
+                          <a:solidFill>
+                            <a:sysClr val="windowText" lastClr="000000"/>
+                          </a:solidFill>
+                        </a:rPr>
+                        <a:t>(20))</a:t>
+                      </a:r>
+                      <a:endParaRPr lang="sv-SE" sz="1200" dirty="0" smtClean="0">
+                        <a:solidFill>
+                          <a:sysClr val="windowText" lastClr="000000"/>
+                        </a:solidFill>
+                      </a:endParaRPr>
                     </a:p>
                   </a:txBody>
                   <a:tcPr>
@@ -3936,7 +3998,7 @@
                             <a:sysClr val="windowText" lastClr="000000"/>
                           </a:solidFill>
                         </a:rPr>
-                        <a:t>Förnamn</a:t>
+                        <a:t>Förnamn (VARCHAR(20))</a:t>
                       </a:r>
                       <a:endParaRPr lang="sv-SE" sz="1200" dirty="0">
                         <a:solidFill>
@@ -4645,6 +4707,59 @@
           </a:graphicData>
         </a:graphic>
       </p:graphicFrame>
+      <p:sp>
+        <p:nvSpPr>
+          <p:cNvPr id="3" name="TextBox 2"/>
+          <p:cNvSpPr txBox="1"/>
+          <p:nvPr/>
+        </p:nvSpPr>
+        <p:spPr>
+          <a:xfrm>
+            <a:off x="1043608" y="1124744"/>
+            <a:ext cx="5350119" cy="1015663"/>
+          </a:xfrm>
+          <a:prstGeom prst="rect">
+            <a:avLst/>
+          </a:prstGeom>
+          <a:noFill/>
+        </p:spPr>
+        <p:txBody>
+          <a:bodyPr wrap="none" rtlCol="0">
+            <a:spAutoFit/>
+          </a:bodyPr>
+          <a:lstStyle/>
+          <a:p>
+            <a:r>
+              <a:rPr lang="sv-SE" dirty="0" smtClean="0"/>
+              <a:t>Normalisering</a:t>
+            </a:r>
+          </a:p>
+          <a:p>
+            <a:r>
+              <a:rPr lang="sv-SE" sz="1400" dirty="0"/>
+              <a:t>Kontaktpersoners namn delas upp i förnamn och </a:t>
+            </a:r>
+            <a:r>
+              <a:rPr lang="sv-SE" sz="1400" dirty="0" smtClean="0"/>
+              <a:t>efternamn enligt 1NF.</a:t>
+            </a:r>
+            <a:endParaRPr lang="sv-SE" sz="1400" dirty="0"/>
+          </a:p>
+          <a:p>
+            <a:r>
+              <a:rPr lang="sv-SE" sz="1400" dirty="0" smtClean="0"/>
+              <a:t>Kunder och kontaktpersoner delas upp i två olika tabeller enligt 4NF.</a:t>
+            </a:r>
+          </a:p>
+          <a:p>
+            <a:r>
+              <a:rPr lang="sv-SE" sz="1400" dirty="0" smtClean="0"/>
+              <a:t>Kontakt-tabellen får ett unikt ID enligt 1NF.</a:t>
+            </a:r>
+            <a:endParaRPr lang="sv-SE" sz="1400" dirty="0"/>
+          </a:p>
+        </p:txBody>
+      </p:sp>
     </p:spTree>
     <p:extLst>
       <p:ext uri="{BB962C8B-B14F-4D97-AF65-F5344CB8AC3E}">
